--- a/kubernetes/07_further_entities.pptx
+++ b/kubernetes/07_further_entities.pptx
@@ -188,6 +188,10 @@
     </p:ext>
   </p:extLst>
 </p:presentation>
+</file>
+
+<file path=ppt/revisionInfo.xml><?xml version="1.0" encoding="utf-8"?>
+<p1510:revInfo xmlns:a="http://schemas.openxmlformats.org/drawingml/2006/main" xmlns:r="http://schemas.openxmlformats.org/officeDocument/2006/relationships" xmlns:p1510="http://schemas.microsoft.com/office/powerpoint/2015/10/main"/>
 </file>
 
 <file path=ppt/diagrams/colors1.xml><?xml version="1.0" encoding="utf-8"?>
@@ -1091,10 +1095,9 @@
         <a:lstStyle/>
         <a:p>
           <a:r>
-            <a:rPr lang="en-US" dirty="0" err="1"/>
-            <a:t>NetworkPolicy</a:t>
+            <a:rPr lang="en-US" dirty="0"/>
+            <a:t>Network Policy</a:t>
           </a:r>
-          <a:endParaRPr lang="en-US" dirty="0"/>
         </a:p>
       </dgm:t>
     </dgm:pt>
@@ -1351,10 +1354,9 @@
         <a:lstStyle/>
         <a:p>
           <a:r>
-            <a:rPr lang="en-US" dirty="0" err="1"/>
-            <a:t>PodSecurityPolicy</a:t>
+            <a:rPr lang="en-US" dirty="0"/>
+            <a:t>Pod Security Policy</a:t>
           </a:r>
-          <a:endParaRPr lang="en-US" dirty="0"/>
         </a:p>
       </dgm:t>
     </dgm:pt>
@@ -1388,10 +1390,9 @@
         <a:lstStyle/>
         <a:p>
           <a:r>
-            <a:rPr lang="en-US" dirty="0" err="1"/>
-            <a:t>ResourceQuota</a:t>
+            <a:rPr lang="en-US" dirty="0"/>
+            <a:t>Resource Quota</a:t>
           </a:r>
-          <a:endParaRPr lang="en-US" dirty="0"/>
         </a:p>
       </dgm:t>
     </dgm:pt>
@@ -1461,10 +1462,9 @@
         <a:lstStyle/>
         <a:p>
           <a:r>
-            <a:rPr lang="en-US" dirty="0" err="1"/>
-            <a:t>RoleBindings</a:t>
+            <a:rPr lang="en-US" dirty="0"/>
+            <a:t>Role Bindings</a:t>
           </a:r>
-          <a:endParaRPr lang="en-US" dirty="0"/>
         </a:p>
       </dgm:t>
     </dgm:pt>
@@ -2423,10 +2423,9 @@
             <a:buNone/>
           </a:pPr>
           <a:r>
-            <a:rPr lang="en-US" sz="2200" kern="1200" dirty="0" err="1"/>
-            <a:t>NetworkPolicy</a:t>
+            <a:rPr lang="en-US" sz="2200" kern="1200" dirty="0"/>
+            <a:t>Network Policy</a:t>
           </a:r>
-          <a:endParaRPr lang="en-US" sz="2200" kern="1200" dirty="0"/>
         </a:p>
       </dsp:txBody>
       <dsp:txXfrm>
@@ -3177,10 +3176,9 @@
             <a:buNone/>
           </a:pPr>
           <a:r>
-            <a:rPr lang="en-US" sz="2200" kern="1200" dirty="0" err="1"/>
-            <a:t>PodSecurityPolicy</a:t>
+            <a:rPr lang="en-US" sz="2200" kern="1200" dirty="0"/>
+            <a:t>Pod Security Policy</a:t>
           </a:r>
-          <a:endParaRPr lang="en-US" sz="2200" kern="1200" dirty="0"/>
         </a:p>
       </dsp:txBody>
       <dsp:txXfrm>
@@ -3285,10 +3283,9 @@
             <a:buNone/>
           </a:pPr>
           <a:r>
-            <a:rPr lang="en-US" sz="2200" kern="1200" dirty="0" err="1"/>
-            <a:t>ResourceQuota</a:t>
+            <a:rPr lang="en-US" sz="2200" kern="1200" dirty="0"/>
+            <a:t>Resource Quota</a:t>
           </a:r>
-          <a:endParaRPr lang="en-US" sz="2200" kern="1200" dirty="0"/>
         </a:p>
       </dsp:txBody>
       <dsp:txXfrm>
@@ -3500,10 +3497,9 @@
             <a:buNone/>
           </a:pPr>
           <a:r>
-            <a:rPr lang="en-US" sz="2200" kern="1200" dirty="0" err="1"/>
-            <a:t>RoleBindings</a:t>
+            <a:rPr lang="en-US" sz="2200" kern="1200" dirty="0"/>
+            <a:t>Role Bindings</a:t>
           </a:r>
-          <a:endParaRPr lang="en-US" sz="2200" kern="1200" dirty="0"/>
         </a:p>
       </dsp:txBody>
       <dsp:txXfrm>
@@ -5476,9 +5472,399 @@
         </p:nvSpPr>
         <p:spPr/>
         <p:txBody>
-          <a:bodyPr/>
+          <a:bodyPr>
+            <a:normAutofit lnSpcReduction="10000"/>
+          </a:bodyPr>
           <a:lstStyle/>
           <a:p>
+            <a:pPr marL="285750" indent="-285750">
+              <a:buFontTx/>
+              <a:buChar char="-"/>
+            </a:pPr>
+            <a:r>
+              <a:rPr lang="en-US" dirty="0"/>
+              <a:t>Ingress: </a:t>
+            </a:r>
+          </a:p>
+          <a:p>
+            <a:pPr marL="465750" lvl="1" indent="-285750">
+              <a:buFontTx/>
+              <a:buChar char="-"/>
+            </a:pPr>
+            <a:r>
+              <a:rPr lang="en-US" dirty="0"/>
+              <a:t>Allows to create a network entity on top of services to expose applications</a:t>
+            </a:r>
+          </a:p>
+          <a:p>
+            <a:pPr marL="465750" lvl="1" indent="-285750">
+              <a:buFontTx/>
+              <a:buChar char="-"/>
+            </a:pPr>
+            <a:r>
+              <a:rPr lang="en-US" dirty="0"/>
+              <a:t>Expose applications via a URL</a:t>
+            </a:r>
+          </a:p>
+          <a:p>
+            <a:pPr marL="465750" lvl="1" indent="-285750">
+              <a:buFontTx/>
+              <a:buChar char="-"/>
+            </a:pPr>
+            <a:r>
+              <a:rPr lang="en-US" dirty="0"/>
+              <a:t>Requires an “ingress-controller” inside the cluster </a:t>
+            </a:r>
+          </a:p>
+          <a:p>
+            <a:pPr marL="465750" lvl="1" indent="-285750">
+              <a:buFontTx/>
+              <a:buChar char="-"/>
+            </a:pPr>
+            <a:r>
+              <a:rPr lang="en-US" dirty="0"/>
+              <a:t>https://kubernetes.io/docs/concepts/services-networking/ingress/</a:t>
+            </a:r>
+          </a:p>
+          <a:p>
+            <a:pPr marL="285750" lvl="0" indent="-285750">
+              <a:buFontTx/>
+              <a:buChar char="-"/>
+            </a:pPr>
+            <a:r>
+              <a:rPr lang="en-US" dirty="0"/>
+              <a:t>Endpoints are networking objects backing services to enable routing etc. Endpoints can be created manually to point to external applications. So external apps can be integrated into the cluster.</a:t>
+            </a:r>
+          </a:p>
+          <a:p>
+            <a:pPr marL="285750" lvl="0" indent="-285750">
+              <a:buFontTx/>
+              <a:buChar char="-"/>
+            </a:pPr>
+            <a:r>
+              <a:rPr lang="en-US" dirty="0"/>
+              <a:t>Network policies are the cluster’s firewall to regulate access to pods etc. They cover ingress and egress traffic cluster internally and externally. There are more info on this topic later.</a:t>
+            </a:r>
+          </a:p>
+          <a:p>
+            <a:pPr marL="285750" lvl="0" indent="-285750">
+              <a:buFontTx/>
+              <a:buChar char="-"/>
+            </a:pPr>
+            <a:r>
+              <a:rPr lang="en-US" dirty="0"/>
+              <a:t>Job/</a:t>
+            </a:r>
+            <a:r>
+              <a:rPr lang="en-US" dirty="0" err="1"/>
+              <a:t>CronJob</a:t>
+            </a:r>
+            <a:r>
+              <a:rPr lang="en-US" dirty="0"/>
+              <a:t>:</a:t>
+            </a:r>
+          </a:p>
+          <a:p>
+            <a:pPr marL="465750" lvl="1" indent="-285750">
+              <a:buFontTx/>
+              <a:buChar char="-"/>
+            </a:pPr>
+            <a:r>
+              <a:rPr lang="en-US" dirty="0"/>
+              <a:t>Schedule a pod and run as task to completion </a:t>
+            </a:r>
+          </a:p>
+          <a:p>
+            <a:pPr marL="465750" lvl="1" indent="-285750">
+              <a:buFontTx/>
+              <a:buChar char="-"/>
+            </a:pPr>
+            <a:r>
+              <a:rPr lang="en-US" dirty="0" err="1"/>
+              <a:t>CronJob</a:t>
+            </a:r>
+            <a:r>
+              <a:rPr lang="en-US" dirty="0"/>
+              <a:t> allows to schedule jobs periodically</a:t>
+            </a:r>
+          </a:p>
+          <a:p>
+            <a:pPr marL="465750" lvl="1" indent="-285750">
+              <a:buFontTx/>
+              <a:buChar char="-"/>
+            </a:pPr>
+            <a:r>
+              <a:rPr lang="en-US" dirty="0"/>
+              <a:t>https://kubernetes.io/docs/concepts/workloads/controllers/jobs-run-to-completion/</a:t>
+            </a:r>
+          </a:p>
+          <a:p>
+            <a:pPr marL="285750" lvl="0" indent="-285750">
+              <a:buFontTx/>
+              <a:buChar char="-"/>
+            </a:pPr>
+            <a:r>
+              <a:rPr lang="en-US" dirty="0" err="1"/>
+              <a:t>DaemonSet</a:t>
+            </a:r>
+            <a:endParaRPr lang="en-US" dirty="0"/>
+          </a:p>
+          <a:p>
+            <a:pPr marL="465750" lvl="1" indent="-285750">
+              <a:buFontTx/>
+              <a:buChar char="-"/>
+            </a:pPr>
+            <a:r>
+              <a:rPr lang="en-US" dirty="0"/>
+              <a:t>Ensures that all (or explicitly specified) nodes run a copy of a pod. For example a </a:t>
+            </a:r>
+            <a:r>
+              <a:rPr lang="en-US" dirty="0" err="1"/>
+              <a:t>kube</a:t>
+            </a:r>
+            <a:r>
+              <a:rPr lang="en-US" dirty="0"/>
+              <a:t>-proxy can run as a pod on every node managed by a </a:t>
+            </a:r>
+            <a:r>
+              <a:rPr lang="en-US" dirty="0" err="1"/>
+              <a:t>daemonSet</a:t>
+            </a:r>
+            <a:r>
+              <a:rPr lang="en-US" dirty="0"/>
+              <a:t>.</a:t>
+            </a:r>
+          </a:p>
+          <a:p>
+            <a:pPr marL="465750" lvl="1" indent="-285750">
+              <a:buFontTx/>
+              <a:buChar char="-"/>
+            </a:pPr>
+            <a:r>
+              <a:rPr lang="en-US" dirty="0"/>
+              <a:t>https://kubernetes.io/docs/concepts/workloads/controllers/daemonset/</a:t>
+            </a:r>
+          </a:p>
+          <a:p>
+            <a:pPr marL="285750" lvl="0" indent="-285750">
+              <a:buFontTx/>
+              <a:buChar char="-"/>
+            </a:pPr>
+            <a:r>
+              <a:rPr lang="en-US" dirty="0" err="1"/>
+              <a:t>StatefulSet</a:t>
+            </a:r>
+            <a:endParaRPr lang="en-US" dirty="0"/>
+          </a:p>
+          <a:p>
+            <a:pPr marL="465750" lvl="1" indent="-285750">
+              <a:buFontTx/>
+              <a:buChar char="-"/>
+            </a:pPr>
+            <a:r>
+              <a:rPr lang="en-US" sz="1400" b="0" i="0" kern="1200" dirty="0">
+                <a:solidFill>
+                  <a:schemeClr val="tx1"/>
+                </a:solidFill>
+                <a:effectLst/>
+                <a:latin typeface="+mn-lt"/>
+                <a:ea typeface="+mn-ea"/>
+                <a:cs typeface="+mn-cs"/>
+              </a:rPr>
+              <a:t>Manages the deployment and scaling of a set </a:t>
+            </a:r>
+            <a:r>
+              <a:rPr lang="en-US" sz="1400" b="0" i="0" u="none" kern="1200" dirty="0">
+                <a:solidFill>
+                  <a:schemeClr val="tx1"/>
+                </a:solidFill>
+                <a:effectLst/>
+                <a:latin typeface="+mn-lt"/>
+                <a:ea typeface="+mn-ea"/>
+                <a:cs typeface="+mn-cs"/>
+              </a:rPr>
+              <a:t>of pods</a:t>
+            </a:r>
+            <a:r>
+              <a:rPr lang="en-US" sz="1400" b="0" i="0" kern="1200" dirty="0">
+                <a:solidFill>
+                  <a:schemeClr val="tx1"/>
+                </a:solidFill>
+                <a:effectLst/>
+                <a:latin typeface="+mn-lt"/>
+                <a:ea typeface="+mn-ea"/>
+                <a:cs typeface="+mn-cs"/>
+              </a:rPr>
+              <a:t>, and provides guarantees about the ordering and uniqueness of these pods.</a:t>
+            </a:r>
+          </a:p>
+          <a:p>
+            <a:pPr marL="465750" lvl="1" indent="-285750">
+              <a:buFontTx/>
+              <a:buChar char="-"/>
+            </a:pPr>
+            <a:r>
+              <a:rPr lang="en-US" sz="1400" b="0" i="0" kern="1200" dirty="0">
+                <a:solidFill>
+                  <a:schemeClr val="tx1"/>
+                </a:solidFill>
+                <a:effectLst/>
+                <a:latin typeface="+mn-lt"/>
+                <a:ea typeface="+mn-ea"/>
+                <a:cs typeface="+mn-cs"/>
+              </a:rPr>
+              <a:t>Similar to deployments, however it provides more stability with regards to names/identifiers</a:t>
+            </a:r>
+          </a:p>
+          <a:p>
+            <a:pPr marL="465750" lvl="1" indent="-285750">
+              <a:buFontTx/>
+              <a:buChar char="-"/>
+            </a:pPr>
+            <a:r>
+              <a:rPr lang="en-US" dirty="0"/>
+              <a:t>https://kubernetes.io/docs/concepts/workloads/controllers/statefulset/</a:t>
+            </a:r>
+          </a:p>
+          <a:p>
+            <a:pPr marL="285750" lvl="0" indent="-285750">
+              <a:buFontTx/>
+              <a:buChar char="-"/>
+            </a:pPr>
+            <a:r>
+              <a:rPr lang="en-US" dirty="0"/>
+              <a:t>Pod Security Policy</a:t>
+            </a:r>
+          </a:p>
+          <a:p>
+            <a:pPr marL="465750" lvl="1" indent="-285750">
+              <a:buFontTx/>
+              <a:buChar char="-"/>
+            </a:pPr>
+            <a:r>
+              <a:rPr lang="en-US" dirty="0"/>
+              <a:t>Defines conditions pods must run with. </a:t>
+            </a:r>
+          </a:p>
+          <a:p>
+            <a:pPr marL="465750" lvl="1" indent="-285750">
+              <a:buFontTx/>
+              <a:buChar char="-"/>
+            </a:pPr>
+            <a:r>
+              <a:rPr lang="en-US" dirty="0"/>
+              <a:t>Conditions cover aspects like </a:t>
+            </a:r>
+            <a:r>
+              <a:rPr lang="en-US" dirty="0" err="1"/>
+              <a:t>runAsUser</a:t>
+            </a:r>
+            <a:r>
+              <a:rPr lang="en-US" dirty="0"/>
+              <a:t>, file system groups, privileges of containers, … an more</a:t>
+            </a:r>
+          </a:p>
+          <a:p>
+            <a:pPr marL="465750" lvl="1" indent="-285750">
+              <a:buFontTx/>
+              <a:buChar char="-"/>
+            </a:pPr>
+            <a:r>
+              <a:rPr lang="en-US" dirty="0"/>
+              <a:t>https://kubernetes.io/docs/concepts/policy/pod-security-policy/</a:t>
+            </a:r>
+          </a:p>
+          <a:p>
+            <a:pPr marL="285750" lvl="0" indent="-285750">
+              <a:buFontTx/>
+              <a:buChar char="-"/>
+            </a:pPr>
+            <a:r>
+              <a:rPr lang="en-US" dirty="0"/>
+              <a:t>Resource Quotas</a:t>
+            </a:r>
+          </a:p>
+          <a:p>
+            <a:pPr marL="465750" lvl="1" indent="-285750">
+              <a:buFontTx/>
+              <a:buChar char="-"/>
+            </a:pPr>
+            <a:r>
+              <a:rPr lang="en-US" dirty="0"/>
+              <a:t>Set quotas on namespace level</a:t>
+            </a:r>
+          </a:p>
+          <a:p>
+            <a:pPr marL="465750" lvl="1" indent="-285750">
+              <a:buFontTx/>
+              <a:buChar char="-"/>
+            </a:pPr>
+            <a:r>
+              <a:rPr lang="en-US" dirty="0"/>
+              <a:t>Limit the number of resources (pod, </a:t>
+            </a:r>
+            <a:r>
+              <a:rPr lang="en-US" dirty="0" err="1"/>
+              <a:t>pvc</a:t>
+            </a:r>
+            <a:r>
+              <a:rPr lang="en-US" dirty="0"/>
+              <a:t>, service, …) allowed in this namespace =&gt; object count quota</a:t>
+            </a:r>
+          </a:p>
+          <a:p>
+            <a:pPr marL="465750" lvl="1" indent="-285750">
+              <a:buFontTx/>
+              <a:buChar char="-"/>
+            </a:pPr>
+            <a:r>
+              <a:rPr lang="en-US" dirty="0"/>
+              <a:t>Limit the resources allowed to be consumed by pods or other objects =&gt; (compute) resource quota</a:t>
+            </a:r>
+          </a:p>
+          <a:p>
+            <a:pPr marL="465750" lvl="1" indent="-285750">
+              <a:buFontTx/>
+              <a:buChar char="-"/>
+            </a:pPr>
+            <a:r>
+              <a:rPr lang="en-US" dirty="0"/>
+              <a:t>Can also enforce applications to specify minimal resources required and max resources wanted.</a:t>
+            </a:r>
+          </a:p>
+          <a:p>
+            <a:pPr marL="465750" lvl="1" indent="-285750">
+              <a:buFontTx/>
+              <a:buChar char="-"/>
+            </a:pPr>
+            <a:r>
+              <a:rPr lang="en-US" dirty="0"/>
+              <a:t>https://kubernetes.io/docs/concepts/policy/resource-quotas/</a:t>
+            </a:r>
+          </a:p>
+          <a:p>
+            <a:pPr marL="285750" lvl="0" indent="-285750">
+              <a:buFontTx/>
+              <a:buChar char="-"/>
+            </a:pPr>
+            <a:r>
+              <a:rPr lang="en-US" dirty="0"/>
+              <a:t>Roles: a role defines a setup of API objects that can be accessed in a certain way. Example: a role can allow only list/read access to pods. Another role could also allow to list/read, create &amp; delete pods</a:t>
+            </a:r>
+          </a:p>
+          <a:p>
+            <a:pPr marL="285750" lvl="0" indent="-285750">
+              <a:buFontTx/>
+              <a:buChar char="-"/>
+            </a:pPr>
+            <a:r>
+              <a:rPr lang="en-US" dirty="0"/>
+              <a:t>Role Bindings: assign roles to service accounts </a:t>
+            </a:r>
+            <a:r>
+              <a:rPr lang="en-US"/>
+              <a:t>/technical users</a:t>
+            </a:r>
             <a:endParaRPr lang="en-US" dirty="0"/>
           </a:p>
         </p:txBody>
@@ -19787,7 +20173,7 @@
           <p:nvPr>
             <p:extLst>
               <p:ext uri="{D42A27DB-BD31-4B8C-83A1-F6EECF244321}">
-                <p14:modId xmlns:p14="http://schemas.microsoft.com/office/powerpoint/2010/main" val="4166703292"/>
+                <p14:modId xmlns:p14="http://schemas.microsoft.com/office/powerpoint/2010/main" val="2167113244"/>
               </p:ext>
             </p:extLst>
           </p:nvPr>
